--- a/ppt/day14_다형성.pptx
+++ b/ppt/day14_다형성.pptx
@@ -300,7 +300,7 @@
           <a:p>
             <a:fld id="{FB30EDBD-1C2D-4C1E-B459-B60219FAB484}" type="datetimeFigureOut">
               <a:rPr lang="ko-KR" altLang="en-US" smtClean="0"/>
-              <a:t>2018-03-11</a:t>
+              <a:t>2018-03-17</a:t>
             </a:fld>
             <a:endParaRPr lang="ko-KR" altLang="en-US"/>
           </a:p>
@@ -465,7 +465,7 @@
           <a:p>
             <a:fld id="{FB30EDBD-1C2D-4C1E-B459-B60219FAB484}" type="datetimeFigureOut">
               <a:rPr lang="ko-KR" altLang="en-US" smtClean="0"/>
-              <a:t>2018-03-11</a:t>
+              <a:t>2018-03-17</a:t>
             </a:fld>
             <a:endParaRPr lang="ko-KR" altLang="en-US"/>
           </a:p>
@@ -640,7 +640,7 @@
           <a:p>
             <a:fld id="{FB30EDBD-1C2D-4C1E-B459-B60219FAB484}" type="datetimeFigureOut">
               <a:rPr lang="ko-KR" altLang="en-US" smtClean="0"/>
-              <a:t>2018-03-11</a:t>
+              <a:t>2018-03-17</a:t>
             </a:fld>
             <a:endParaRPr lang="ko-KR" altLang="en-US"/>
           </a:p>
@@ -805,7 +805,7 @@
           <a:p>
             <a:fld id="{FB30EDBD-1C2D-4C1E-B459-B60219FAB484}" type="datetimeFigureOut">
               <a:rPr lang="ko-KR" altLang="en-US" smtClean="0"/>
-              <a:t>2018-03-11</a:t>
+              <a:t>2018-03-17</a:t>
             </a:fld>
             <a:endParaRPr lang="ko-KR" altLang="en-US"/>
           </a:p>
@@ -1046,7 +1046,7 @@
           <a:p>
             <a:fld id="{FB30EDBD-1C2D-4C1E-B459-B60219FAB484}" type="datetimeFigureOut">
               <a:rPr lang="ko-KR" altLang="en-US" smtClean="0"/>
-              <a:t>2018-03-11</a:t>
+              <a:t>2018-03-17</a:t>
             </a:fld>
             <a:endParaRPr lang="ko-KR" altLang="en-US"/>
           </a:p>
@@ -1329,7 +1329,7 @@
           <a:p>
             <a:fld id="{FB30EDBD-1C2D-4C1E-B459-B60219FAB484}" type="datetimeFigureOut">
               <a:rPr lang="ko-KR" altLang="en-US" smtClean="0"/>
-              <a:t>2018-03-11</a:t>
+              <a:t>2018-03-17</a:t>
             </a:fld>
             <a:endParaRPr lang="ko-KR" altLang="en-US"/>
           </a:p>
@@ -1746,7 +1746,7 @@
           <a:p>
             <a:fld id="{FB30EDBD-1C2D-4C1E-B459-B60219FAB484}" type="datetimeFigureOut">
               <a:rPr lang="ko-KR" altLang="en-US" smtClean="0"/>
-              <a:t>2018-03-11</a:t>
+              <a:t>2018-03-17</a:t>
             </a:fld>
             <a:endParaRPr lang="ko-KR" altLang="en-US"/>
           </a:p>
@@ -1859,7 +1859,7 @@
           <a:p>
             <a:fld id="{FB30EDBD-1C2D-4C1E-B459-B60219FAB484}" type="datetimeFigureOut">
               <a:rPr lang="ko-KR" altLang="en-US" smtClean="0"/>
-              <a:t>2018-03-11</a:t>
+              <a:t>2018-03-17</a:t>
             </a:fld>
             <a:endParaRPr lang="ko-KR" altLang="en-US"/>
           </a:p>
@@ -1949,7 +1949,7 @@
           <a:p>
             <a:fld id="{FB30EDBD-1C2D-4C1E-B459-B60219FAB484}" type="datetimeFigureOut">
               <a:rPr lang="ko-KR" altLang="en-US" smtClean="0"/>
-              <a:t>2018-03-11</a:t>
+              <a:t>2018-03-17</a:t>
             </a:fld>
             <a:endParaRPr lang="ko-KR" altLang="en-US"/>
           </a:p>
@@ -2221,7 +2221,7 @@
           <a:p>
             <a:fld id="{FB30EDBD-1C2D-4C1E-B459-B60219FAB484}" type="datetimeFigureOut">
               <a:rPr lang="ko-KR" altLang="en-US" smtClean="0"/>
-              <a:t>2018-03-11</a:t>
+              <a:t>2018-03-17</a:t>
             </a:fld>
             <a:endParaRPr lang="ko-KR" altLang="en-US"/>
           </a:p>
@@ -2469,7 +2469,7 @@
           <a:p>
             <a:fld id="{FB30EDBD-1C2D-4C1E-B459-B60219FAB484}" type="datetimeFigureOut">
               <a:rPr lang="ko-KR" altLang="en-US" smtClean="0"/>
-              <a:t>2018-03-11</a:t>
+              <a:t>2018-03-17</a:t>
             </a:fld>
             <a:endParaRPr lang="ko-KR" altLang="en-US"/>
           </a:p>
@@ -2677,7 +2677,7 @@
           <a:p>
             <a:fld id="{FB30EDBD-1C2D-4C1E-B459-B60219FAB484}" type="datetimeFigureOut">
               <a:rPr lang="ko-KR" altLang="en-US" smtClean="0"/>
-              <a:t>2018-03-11</a:t>
+              <a:t>2018-03-17</a:t>
             </a:fld>
             <a:endParaRPr lang="ko-KR" altLang="en-US"/>
           </a:p>
@@ -4395,7 +4395,6 @@
               <a:rPr lang="en-US" altLang="ko-KR" dirty="0" smtClean="0"/>
               <a:t>= (Dog)animal;</a:t>
             </a:r>
-            <a:endParaRPr lang="en-US" altLang="ko-KR" dirty="0" smtClean="0"/>
           </a:p>
           <a:p>
             <a:endParaRPr lang="en-US" altLang="ko-KR" dirty="0"/>
@@ -5037,8 +5036,8 @@
         </p:nvSpPr>
         <p:spPr bwMode="auto">
           <a:xfrm>
-            <a:off x="5998013" y="2022232"/>
-            <a:ext cx="2915816" cy="677108"/>
+            <a:off x="5998013" y="2006843"/>
+            <a:ext cx="2915816" cy="707886"/>
           </a:xfrm>
           <a:prstGeom prst="rect">
             <a:avLst/>
@@ -5071,195 +5070,16 @@
           </a:bodyPr>
           <a:lstStyle/>
           <a:p>
-            <a:pPr marL="0" marR="0" lvl="0" indent="0" algn="l" defTabSz="914400" rtl="0" eaLnBrk="1" fontAlgn="base" latinLnBrk="1" hangingPunct="1">
-              <a:lnSpc>
-                <a:spcPct val="100000"/>
-              </a:lnSpc>
+            <a:pPr lvl="0" fontAlgn="base">
               <a:spcBef>
                 <a:spcPct val="0"/>
               </a:spcBef>
               <a:spcAft>
                 <a:spcPct val="0"/>
               </a:spcAft>
-              <a:buClrTx/>
-              <a:buSzTx/>
-              <a:buFontTx/>
-              <a:buNone/>
-              <a:tabLst/>
             </a:pPr>
             <a:r>
-              <a:rPr kumimoji="1" lang="ko-KR" altLang="ko-KR" sz="1900" b="0" i="0" u="none" strike="noStrike" cap="none" normalizeH="0" baseline="0" dirty="0" smtClean="0">
-                <a:ln>
-                  <a:noFill/>
-                </a:ln>
-                <a:solidFill>
-                  <a:srgbClr val="000000"/>
-                </a:solidFill>
-                <a:effectLst/>
-                <a:latin typeface="Source Code Pro" pitchFamily="49" charset="0"/>
-                <a:ea typeface="굴림" pitchFamily="50" charset="-127"/>
-                <a:cs typeface="굴림" pitchFamily="50" charset="-127"/>
-              </a:rPr>
-              <a:t>shakeTail</a:t>
-            </a:r>
-            <a:r>
-              <a:rPr kumimoji="1" lang="en-US" altLang="ko-KR" sz="1900" b="0" i="0" u="none" strike="noStrike" cap="none" normalizeH="0" baseline="0" dirty="0" smtClean="0">
-                <a:ln>
-                  <a:noFill/>
-                </a:ln>
-                <a:solidFill>
-                  <a:srgbClr val="000000"/>
-                </a:solidFill>
-                <a:effectLst/>
-                <a:latin typeface="Source Code Pro" pitchFamily="49" charset="0"/>
-                <a:ea typeface="굴림" pitchFamily="50" charset="-127"/>
-                <a:cs typeface="굴림" pitchFamily="50" charset="-127"/>
-              </a:rPr>
-              <a:t>()</a:t>
-            </a:r>
-          </a:p>
-          <a:p>
-            <a:pPr marL="0" marR="0" lvl="0" indent="0" algn="l" defTabSz="914400" rtl="0" eaLnBrk="1" fontAlgn="base" latinLnBrk="1" hangingPunct="1">
-              <a:lnSpc>
-                <a:spcPct val="100000"/>
-              </a:lnSpc>
-              <a:spcBef>
-                <a:spcPct val="0"/>
-              </a:spcBef>
-              <a:spcAft>
-                <a:spcPct val="0"/>
-              </a:spcAft>
-              <a:buClrTx/>
-              <a:buSzTx/>
-              <a:buFontTx/>
-              <a:buNone/>
-              <a:tabLst/>
-            </a:pPr>
-            <a:r>
-              <a:rPr kumimoji="1" lang="ko-KR" altLang="ko-KR" sz="1900" b="0" i="0" u="none" strike="noStrike" cap="none" normalizeH="0" baseline="0" dirty="0" smtClean="0">
-                <a:ln>
-                  <a:noFill/>
-                </a:ln>
-                <a:solidFill>
-                  <a:srgbClr val="000000"/>
-                </a:solidFill>
-                <a:effectLst/>
-                <a:latin typeface="Source Code Pro" pitchFamily="49" charset="0"/>
-                <a:ea typeface="굴림" pitchFamily="50" charset="-127"/>
-                <a:cs typeface="굴림" pitchFamily="50" charset="-127"/>
-              </a:rPr>
-              <a:t>printInfo()</a:t>
-            </a:r>
-            <a:endParaRPr kumimoji="1" lang="ko-KR" altLang="ko-KR" sz="1800" b="0" i="0" u="none" strike="noStrike" cap="none" normalizeH="0" baseline="0" dirty="0" smtClean="0">
-              <a:ln>
-                <a:noFill/>
-              </a:ln>
-              <a:solidFill>
-                <a:schemeClr val="tx1"/>
-              </a:solidFill>
-              <a:effectLst/>
-              <a:latin typeface="굴림" pitchFamily="50" charset="-127"/>
-              <a:ea typeface="굴림" pitchFamily="50" charset="-127"/>
-              <a:cs typeface="굴림" pitchFamily="50" charset="-127"/>
-            </a:endParaRPr>
-          </a:p>
-        </p:txBody>
-      </p:sp>
-      <p:sp>
-        <p:nvSpPr>
-          <p:cNvPr id="35" name="Rectangle 2"/>
-          <p:cNvSpPr>
-            <a:spLocks noChangeArrowheads="1"/>
-          </p:cNvSpPr>
-          <p:nvPr/>
-        </p:nvSpPr>
-        <p:spPr bwMode="auto">
-          <a:xfrm>
-            <a:off x="3944962" y="4836247"/>
-            <a:ext cx="2915816" cy="646331"/>
-          </a:xfrm>
-          <a:prstGeom prst="rect">
-            <a:avLst/>
-          </a:prstGeom>
-          <a:ln w="3175">
-            <a:headEnd/>
-            <a:tailEnd/>
-          </a:ln>
-        </p:spPr>
-        <p:style>
-          <a:lnRef idx="2">
-            <a:schemeClr val="dk1"/>
-          </a:lnRef>
-          <a:fillRef idx="1">
-            <a:schemeClr val="lt1"/>
-          </a:fillRef>
-          <a:effectRef idx="0">
-            <a:schemeClr val="dk1"/>
-          </a:effectRef>
-          <a:fontRef idx="minor">
-            <a:schemeClr val="dk1"/>
-          </a:fontRef>
-        </p:style>
-        <p:txBody>
-          <a:bodyPr vert="horz" wrap="square" lIns="91440" tIns="45720" rIns="91440" bIns="45720" numCol="1" anchor="ctr" anchorCtr="0" compatLnSpc="1">
-            <a:prstTxWarp prst="textNoShape">
-              <a:avLst/>
-            </a:prstTxWarp>
-            <a:spAutoFit/>
-          </a:bodyPr>
-          <a:lstStyle/>
-          <a:p>
-            <a:pPr marL="0" marR="0" lvl="0" indent="0" algn="l" defTabSz="914400" rtl="0" eaLnBrk="1" fontAlgn="base" latinLnBrk="1" hangingPunct="1">
-              <a:lnSpc>
-                <a:spcPct val="100000"/>
-              </a:lnSpc>
-              <a:spcBef>
-                <a:spcPct val="0"/>
-              </a:spcBef>
-              <a:spcAft>
-                <a:spcPct val="0"/>
-              </a:spcAft>
-              <a:buClrTx/>
-              <a:buSzTx/>
-              <a:buFontTx/>
-              <a:buNone/>
-              <a:tabLst/>
-            </a:pPr>
-            <a:r>
-              <a:rPr kumimoji="1" lang="en-US" altLang="ko-KR" sz="1800" b="0" i="0" u="none" strike="noStrike" cap="none" normalizeH="0" baseline="0" dirty="0" smtClean="0">
-                <a:ln>
-                  <a:noFill/>
-                </a:ln>
-                <a:solidFill>
-                  <a:schemeClr val="tx1"/>
-                </a:solidFill>
-                <a:effectLst/>
-                <a:latin typeface="굴림" pitchFamily="50" charset="-127"/>
-                <a:ea typeface="굴림" pitchFamily="50" charset="-127"/>
-                <a:cs typeface="굴림" pitchFamily="50" charset="-127"/>
-              </a:rPr>
-              <a:t>bark()</a:t>
-            </a:r>
-          </a:p>
-          <a:p>
-            <a:pPr marL="0" marR="0" lvl="0" indent="0" algn="l" defTabSz="914400" rtl="0" eaLnBrk="1" fontAlgn="base" latinLnBrk="1" hangingPunct="1">
-              <a:lnSpc>
-                <a:spcPct val="100000"/>
-              </a:lnSpc>
-              <a:spcBef>
-                <a:spcPct val="0"/>
-              </a:spcBef>
-              <a:spcAft>
-                <a:spcPct val="0"/>
-              </a:spcAft>
-              <a:buClrTx/>
-              <a:buSzTx/>
-              <a:buFontTx/>
-              <a:buNone/>
-              <a:tabLst/>
-            </a:pPr>
-            <a:r>
-              <a:rPr kumimoji="1" lang="en-US" altLang="ko-KR" dirty="0" smtClean="0">
+              <a:rPr kumimoji="1" lang="en-US" altLang="ko-KR" sz="2000" dirty="0">
                 <a:solidFill>
                   <a:schemeClr val="tx1"/>
                 </a:solidFill>
@@ -5267,16 +5087,161 @@
                 <a:ea typeface="굴림" pitchFamily="50" charset="-127"/>
                 <a:cs typeface="굴림" pitchFamily="50" charset="-127"/>
               </a:rPr>
-              <a:t>eat()</a:t>
-            </a:r>
-            <a:endParaRPr kumimoji="1" lang="en-US" altLang="ko-KR" sz="1800" b="0" i="0" u="none" strike="noStrike" cap="none" normalizeH="0" baseline="0" dirty="0" smtClean="0">
-              <a:ln>
-                <a:noFill/>
-              </a:ln>
+              <a:t>bark()</a:t>
+            </a:r>
+          </a:p>
+          <a:p>
+            <a:pPr lvl="0" fontAlgn="base">
+              <a:spcBef>
+                <a:spcPct val="0"/>
+              </a:spcBef>
+              <a:spcAft>
+                <a:spcPct val="0"/>
+              </a:spcAft>
+            </a:pPr>
+            <a:r>
+              <a:rPr kumimoji="1" lang="en-US" altLang="ko-KR" sz="2000" dirty="0">
+                <a:solidFill>
+                  <a:schemeClr val="tx1"/>
+                </a:solidFill>
+                <a:latin typeface="굴림" pitchFamily="50" charset="-127"/>
+                <a:ea typeface="굴림" pitchFamily="50" charset="-127"/>
+                <a:cs typeface="굴림" pitchFamily="50" charset="-127"/>
+              </a:rPr>
+              <a:t>eat</a:t>
+            </a:r>
+            <a:r>
+              <a:rPr kumimoji="1" lang="en-US" altLang="ko-KR" sz="2000" dirty="0" smtClean="0">
+                <a:solidFill>
+                  <a:schemeClr val="tx1"/>
+                </a:solidFill>
+                <a:latin typeface="굴림" pitchFamily="50" charset="-127"/>
+                <a:ea typeface="굴림" pitchFamily="50" charset="-127"/>
+                <a:cs typeface="굴림" pitchFamily="50" charset="-127"/>
+              </a:rPr>
+              <a:t>()</a:t>
+            </a:r>
+            <a:endParaRPr kumimoji="1" lang="en-US" altLang="ko-KR" sz="2000" dirty="0">
               <a:solidFill>
                 <a:schemeClr val="tx1"/>
               </a:solidFill>
-              <a:effectLst/>
+              <a:latin typeface="굴림" pitchFamily="50" charset="-127"/>
+              <a:ea typeface="굴림" pitchFamily="50" charset="-127"/>
+              <a:cs typeface="굴림" pitchFamily="50" charset="-127"/>
+            </a:endParaRPr>
+          </a:p>
+        </p:txBody>
+      </p:sp>
+      <p:sp>
+        <p:nvSpPr>
+          <p:cNvPr id="35" name="Rectangle 2"/>
+          <p:cNvSpPr>
+            <a:spLocks noChangeArrowheads="1"/>
+          </p:cNvSpPr>
+          <p:nvPr/>
+        </p:nvSpPr>
+        <p:spPr bwMode="auto">
+          <a:xfrm>
+            <a:off x="3944962" y="4836247"/>
+            <a:ext cx="2915816" cy="646331"/>
+          </a:xfrm>
+          <a:prstGeom prst="rect">
+            <a:avLst/>
+          </a:prstGeom>
+          <a:ln w="3175">
+            <a:headEnd/>
+            <a:tailEnd/>
+          </a:ln>
+        </p:spPr>
+        <p:style>
+          <a:lnRef idx="2">
+            <a:schemeClr val="dk1"/>
+          </a:lnRef>
+          <a:fillRef idx="1">
+            <a:schemeClr val="lt1"/>
+          </a:fillRef>
+          <a:effectRef idx="0">
+            <a:schemeClr val="dk1"/>
+          </a:effectRef>
+          <a:fontRef idx="minor">
+            <a:schemeClr val="dk1"/>
+          </a:fontRef>
+        </p:style>
+        <p:txBody>
+          <a:bodyPr vert="horz" wrap="square" lIns="91440" tIns="45720" rIns="91440" bIns="45720" numCol="1" anchor="ctr" anchorCtr="0" compatLnSpc="1">
+            <a:prstTxWarp prst="textNoShape">
+              <a:avLst/>
+            </a:prstTxWarp>
+            <a:spAutoFit/>
+          </a:bodyPr>
+          <a:lstStyle/>
+          <a:p>
+            <a:pPr lvl="0" fontAlgn="base">
+              <a:spcBef>
+                <a:spcPct val="0"/>
+              </a:spcBef>
+              <a:spcAft>
+                <a:spcPct val="0"/>
+              </a:spcAft>
+            </a:pPr>
+            <a:r>
+              <a:rPr kumimoji="1" lang="ko-KR" altLang="ko-KR" dirty="0">
+                <a:solidFill>
+                  <a:srgbClr val="000000"/>
+                </a:solidFill>
+                <a:latin typeface="Source Code Pro" pitchFamily="49" charset="0"/>
+                <a:ea typeface="굴림" pitchFamily="50" charset="-127"/>
+                <a:cs typeface="굴림" pitchFamily="50" charset="-127"/>
+              </a:rPr>
+              <a:t>shakeTail</a:t>
+            </a:r>
+            <a:r>
+              <a:rPr kumimoji="1" lang="en-US" altLang="ko-KR" dirty="0">
+                <a:solidFill>
+                  <a:srgbClr val="000000"/>
+                </a:solidFill>
+                <a:latin typeface="Source Code Pro" pitchFamily="49" charset="0"/>
+                <a:ea typeface="굴림" pitchFamily="50" charset="-127"/>
+                <a:cs typeface="굴림" pitchFamily="50" charset="-127"/>
+              </a:rPr>
+              <a:t>()</a:t>
+            </a:r>
+          </a:p>
+          <a:p>
+            <a:pPr lvl="0" fontAlgn="base">
+              <a:spcBef>
+                <a:spcPct val="0"/>
+              </a:spcBef>
+              <a:spcAft>
+                <a:spcPct val="0"/>
+              </a:spcAft>
+            </a:pPr>
+            <a:r>
+              <a:rPr kumimoji="1" lang="en-US" altLang="ko-KR" dirty="0" smtClean="0">
+                <a:solidFill>
+                  <a:srgbClr val="000000"/>
+                </a:solidFill>
+                <a:latin typeface="Source Code Pro" pitchFamily="49" charset="0"/>
+                <a:ea typeface="굴림" pitchFamily="50" charset="-127"/>
+                <a:cs typeface="굴림" pitchFamily="50" charset="-127"/>
+              </a:rPr>
+              <a:t>play</a:t>
+            </a:r>
+            <a:r>
+              <a:rPr kumimoji="1" lang="ko-KR" altLang="ko-KR" dirty="0" smtClean="0">
+                <a:solidFill>
+                  <a:srgbClr val="000000"/>
+                </a:solidFill>
+                <a:latin typeface="Source Code Pro" pitchFamily="49" charset="0"/>
+                <a:ea typeface="굴림" pitchFamily="50" charset="-127"/>
+                <a:cs typeface="굴림" pitchFamily="50" charset="-127"/>
+              </a:rPr>
+              <a:t>()</a:t>
+            </a:r>
+            <a:endParaRPr kumimoji="1" lang="ko-KR" altLang="ko-KR" sz="1600" dirty="0">
+              <a:solidFill>
+                <a:schemeClr val="tx1"/>
+              </a:solidFill>
               <a:latin typeface="굴림" pitchFamily="50" charset="-127"/>
               <a:ea typeface="굴림" pitchFamily="50" charset="-127"/>
               <a:cs typeface="굴림" pitchFamily="50" charset="-127"/>
@@ -9743,13 +9708,8 @@
             <a:pPr algn="ctr"/>
             <a:r>
               <a:rPr lang="en-US" altLang="ko-KR" dirty="0" smtClean="0"/>
-              <a:t>new </a:t>
-            </a:r>
-            <a:r>
-              <a:rPr lang="en-US" altLang="ko-KR" dirty="0" smtClean="0"/>
-              <a:t>Wolf</a:t>
-            </a:r>
-            <a:endParaRPr lang="en-US" altLang="ko-KR" dirty="0" smtClean="0"/>
+              <a:t>new Wolf</a:t>
+            </a:r>
           </a:p>
         </p:txBody>
       </p:sp>
@@ -10561,13 +10521,8 @@
             <a:pPr algn="ctr"/>
             <a:r>
               <a:rPr lang="en-US" altLang="ko-KR" dirty="0" smtClean="0"/>
-              <a:t>new </a:t>
-            </a:r>
-            <a:r>
-              <a:rPr lang="en-US" altLang="ko-KR" dirty="0" smtClean="0"/>
-              <a:t>Wolf</a:t>
-            </a:r>
-            <a:endParaRPr lang="en-US" altLang="ko-KR" dirty="0" smtClean="0"/>
+              <a:t>new Wolf</a:t>
+            </a:r>
           </a:p>
         </p:txBody>
       </p:sp>
